--- a/assets/files/Curs1/CURS1.pptx
+++ b/assets/files/Curs1/CURS1.pptx
@@ -115,6 +115,22 @@
       </a:defRPr>
     </a:lvl9pPr>
   </p:defaultTextStyle>
+  <p:extLst>
+    <p:ext uri="{EFAFB233-063F-42B5-8137-9DF3F51BA10A}">
+      <p15:sldGuideLst xmlns:p15="http://schemas.microsoft.com/office/powerpoint/2012/main">
+        <p15:guide id="1" orient="horz" pos="2160">
+          <p15:clr>
+            <a:srgbClr val="A4A3A4"/>
+          </p15:clr>
+        </p15:guide>
+        <p15:guide id="2" pos="2880">
+          <p15:clr>
+            <a:srgbClr val="A4A3A4"/>
+          </p15:clr>
+        </p15:guide>
+      </p15:sldGuideLst>
+    </p:ext>
+  </p:extLst>
 </p:presentation>
 </file>
 
@@ -880,7 +896,7 @@
             <a:fld id="{D5293751-D5E8-4F62-A139-62AD5AF1B725}" type="datetimeFigureOut">
               <a:rPr lang="ro-RO" smtClean="0"/>
               <a:pPr/>
-              <a:t>21.02.2018</a:t>
+              <a:t>04.09.2018</a:t>
             </a:fld>
             <a:endParaRPr lang="ro-RO"/>
           </a:p>
@@ -932,20 +948,20 @@
     </p:spTree>
     <p:extLst>
       <p:ext uri="{BB962C8B-B14F-4D97-AF65-F5344CB8AC3E}">
-        <p14:creationId xmlns="" xmlns:p14="http://schemas.microsoft.com/office/powerpoint/2010/main" val="1847488592"/>
+        <p14:creationId xmlns:p14="http://schemas.microsoft.com/office/powerpoint/2010/main" val="1847488592"/>
       </p:ext>
     </p:extLst>
   </p:cSld>
   <p:clrMapOvr>
     <a:masterClrMapping/>
   </p:clrMapOvr>
-  <mc:AlternateContent xmlns:mc="http://schemas.openxmlformats.org/markup-compatibility/2006">
-    <mc:Choice xmlns="" xmlns:p14="http://schemas.microsoft.com/office/powerpoint/2010/main" Requires="p14">
+  <mc:AlternateContent xmlns:mc="http://schemas.openxmlformats.org/markup-compatibility/2006" xmlns:p14="http://schemas.microsoft.com/office/powerpoint/2010/main">
+    <mc:Choice Requires="p14">
       <p:transition spd="med" p14:dur="700">
         <p:fade/>
       </p:transition>
     </mc:Choice>
-    <mc:Fallback>
+    <mc:Fallback xmlns="">
       <p:transition spd="med">
         <p:fade/>
       </p:transition>
@@ -1085,7 +1101,7 @@
             <a:fld id="{D5293751-D5E8-4F62-A139-62AD5AF1B725}" type="datetimeFigureOut">
               <a:rPr lang="ro-RO" smtClean="0"/>
               <a:pPr/>
-              <a:t>21.02.2018</a:t>
+              <a:t>04.09.2018</a:t>
             </a:fld>
             <a:endParaRPr lang="ro-RO"/>
           </a:p>
@@ -1137,20 +1153,20 @@
     </p:spTree>
     <p:extLst>
       <p:ext uri="{BB962C8B-B14F-4D97-AF65-F5344CB8AC3E}">
-        <p14:creationId xmlns="" xmlns:p14="http://schemas.microsoft.com/office/powerpoint/2010/main" val="1996675165"/>
+        <p14:creationId xmlns:p14="http://schemas.microsoft.com/office/powerpoint/2010/main" val="1996675165"/>
       </p:ext>
     </p:extLst>
   </p:cSld>
   <p:clrMapOvr>
     <a:masterClrMapping/>
   </p:clrMapOvr>
-  <mc:AlternateContent xmlns:mc="http://schemas.openxmlformats.org/markup-compatibility/2006">
-    <mc:Choice xmlns="" xmlns:p14="http://schemas.microsoft.com/office/powerpoint/2010/main" Requires="p14">
+  <mc:AlternateContent xmlns:mc="http://schemas.openxmlformats.org/markup-compatibility/2006" xmlns:p14="http://schemas.microsoft.com/office/powerpoint/2010/main">
+    <mc:Choice Requires="p14">
       <p:transition spd="med" p14:dur="700">
         <p:fade/>
       </p:transition>
     </mc:Choice>
-    <mc:Fallback>
+    <mc:Fallback xmlns="">
       <p:transition spd="med">
         <p:fade/>
       </p:transition>
@@ -1300,7 +1316,7 @@
             <a:fld id="{D5293751-D5E8-4F62-A139-62AD5AF1B725}" type="datetimeFigureOut">
               <a:rPr lang="ro-RO" smtClean="0"/>
               <a:pPr/>
-              <a:t>21.02.2018</a:t>
+              <a:t>04.09.2018</a:t>
             </a:fld>
             <a:endParaRPr lang="ro-RO"/>
           </a:p>
@@ -1352,20 +1368,20 @@
     </p:spTree>
     <p:extLst>
       <p:ext uri="{BB962C8B-B14F-4D97-AF65-F5344CB8AC3E}">
-        <p14:creationId xmlns="" xmlns:p14="http://schemas.microsoft.com/office/powerpoint/2010/main" val="595886489"/>
+        <p14:creationId xmlns:p14="http://schemas.microsoft.com/office/powerpoint/2010/main" val="595886489"/>
       </p:ext>
     </p:extLst>
   </p:cSld>
   <p:clrMapOvr>
     <a:masterClrMapping/>
   </p:clrMapOvr>
-  <mc:AlternateContent xmlns:mc="http://schemas.openxmlformats.org/markup-compatibility/2006">
-    <mc:Choice xmlns="" xmlns:p14="http://schemas.microsoft.com/office/powerpoint/2010/main" Requires="p14">
+  <mc:AlternateContent xmlns:mc="http://schemas.openxmlformats.org/markup-compatibility/2006" xmlns:p14="http://schemas.microsoft.com/office/powerpoint/2010/main">
+    <mc:Choice Requires="p14">
       <p:transition spd="med" p14:dur="700">
         <p:fade/>
       </p:transition>
     </mc:Choice>
-    <mc:Fallback>
+    <mc:Fallback xmlns="">
       <p:transition spd="med">
         <p:fade/>
       </p:transition>
@@ -1505,7 +1521,7 @@
             <a:fld id="{D5293751-D5E8-4F62-A139-62AD5AF1B725}" type="datetimeFigureOut">
               <a:rPr lang="ro-RO" smtClean="0"/>
               <a:pPr/>
-              <a:t>21.02.2018</a:t>
+              <a:t>04.09.2018</a:t>
             </a:fld>
             <a:endParaRPr lang="ro-RO"/>
           </a:p>
@@ -1557,20 +1573,20 @@
     </p:spTree>
     <p:extLst>
       <p:ext uri="{BB962C8B-B14F-4D97-AF65-F5344CB8AC3E}">
-        <p14:creationId xmlns="" xmlns:p14="http://schemas.microsoft.com/office/powerpoint/2010/main" val="1406769010"/>
+        <p14:creationId xmlns:p14="http://schemas.microsoft.com/office/powerpoint/2010/main" val="1406769010"/>
       </p:ext>
     </p:extLst>
   </p:cSld>
   <p:clrMapOvr>
     <a:masterClrMapping/>
   </p:clrMapOvr>
-  <mc:AlternateContent xmlns:mc="http://schemas.openxmlformats.org/markup-compatibility/2006">
-    <mc:Choice xmlns="" xmlns:p14="http://schemas.microsoft.com/office/powerpoint/2010/main" Requires="p14">
+  <mc:AlternateContent xmlns:mc="http://schemas.openxmlformats.org/markup-compatibility/2006" xmlns:p14="http://schemas.microsoft.com/office/powerpoint/2010/main">
+    <mc:Choice Requires="p14">
       <p:transition spd="med" p14:dur="700">
         <p:fade/>
       </p:transition>
     </mc:Choice>
-    <mc:Fallback>
+    <mc:Fallback xmlns="">
       <p:transition spd="med">
         <p:fade/>
       </p:transition>
@@ -1944,7 +1960,7 @@
             <a:fld id="{D5293751-D5E8-4F62-A139-62AD5AF1B725}" type="datetimeFigureOut">
               <a:rPr lang="ro-RO" smtClean="0"/>
               <a:pPr/>
-              <a:t>21.02.2018</a:t>
+              <a:t>04.09.2018</a:t>
             </a:fld>
             <a:endParaRPr lang="ro-RO"/>
           </a:p>
@@ -1996,20 +2012,20 @@
     </p:spTree>
     <p:extLst>
       <p:ext uri="{BB962C8B-B14F-4D97-AF65-F5344CB8AC3E}">
-        <p14:creationId xmlns="" xmlns:p14="http://schemas.microsoft.com/office/powerpoint/2010/main" val="3616330612"/>
+        <p14:creationId xmlns:p14="http://schemas.microsoft.com/office/powerpoint/2010/main" val="3616330612"/>
       </p:ext>
     </p:extLst>
   </p:cSld>
   <p:clrMapOvr>
     <a:masterClrMapping/>
   </p:clrMapOvr>
-  <mc:AlternateContent xmlns:mc="http://schemas.openxmlformats.org/markup-compatibility/2006">
-    <mc:Choice xmlns="" xmlns:p14="http://schemas.microsoft.com/office/powerpoint/2010/main" Requires="p14">
+  <mc:AlternateContent xmlns:mc="http://schemas.openxmlformats.org/markup-compatibility/2006" xmlns:p14="http://schemas.microsoft.com/office/powerpoint/2010/main">
+    <mc:Choice Requires="p14">
       <p:transition spd="med" p14:dur="700">
         <p:fade/>
       </p:transition>
     </mc:Choice>
-    <mc:Fallback>
+    <mc:Fallback xmlns="">
       <p:transition spd="med">
         <p:fade/>
       </p:transition>
@@ -2255,7 +2271,7 @@
             <a:fld id="{D5293751-D5E8-4F62-A139-62AD5AF1B725}" type="datetimeFigureOut">
               <a:rPr lang="ro-RO" smtClean="0"/>
               <a:pPr/>
-              <a:t>21.02.2018</a:t>
+              <a:t>04.09.2018</a:t>
             </a:fld>
             <a:endParaRPr lang="ro-RO"/>
           </a:p>
@@ -2307,20 +2323,20 @@
     </p:spTree>
     <p:extLst>
       <p:ext uri="{BB962C8B-B14F-4D97-AF65-F5344CB8AC3E}">
-        <p14:creationId xmlns="" xmlns:p14="http://schemas.microsoft.com/office/powerpoint/2010/main" val="3557647742"/>
+        <p14:creationId xmlns:p14="http://schemas.microsoft.com/office/powerpoint/2010/main" val="3557647742"/>
       </p:ext>
     </p:extLst>
   </p:cSld>
   <p:clrMapOvr>
     <a:masterClrMapping/>
   </p:clrMapOvr>
-  <mc:AlternateContent xmlns:mc="http://schemas.openxmlformats.org/markup-compatibility/2006">
-    <mc:Choice xmlns="" xmlns:p14="http://schemas.microsoft.com/office/powerpoint/2010/main" Requires="p14">
+  <mc:AlternateContent xmlns:mc="http://schemas.openxmlformats.org/markup-compatibility/2006" xmlns:p14="http://schemas.microsoft.com/office/powerpoint/2010/main">
+    <mc:Choice Requires="p14">
       <p:transition spd="med" p14:dur="700">
         <p:fade/>
       </p:transition>
     </mc:Choice>
-    <mc:Fallback>
+    <mc:Fallback xmlns="">
       <p:transition spd="med">
         <p:fade/>
       </p:transition>
@@ -2718,7 +2734,7 @@
             <a:fld id="{D5293751-D5E8-4F62-A139-62AD5AF1B725}" type="datetimeFigureOut">
               <a:rPr lang="ro-RO" smtClean="0"/>
               <a:pPr/>
-              <a:t>21.02.2018</a:t>
+              <a:t>04.09.2018</a:t>
             </a:fld>
             <a:endParaRPr lang="ro-RO"/>
           </a:p>
@@ -2770,20 +2786,20 @@
     </p:spTree>
     <p:extLst>
       <p:ext uri="{BB962C8B-B14F-4D97-AF65-F5344CB8AC3E}">
-        <p14:creationId xmlns="" xmlns:p14="http://schemas.microsoft.com/office/powerpoint/2010/main" val="595381913"/>
+        <p14:creationId xmlns:p14="http://schemas.microsoft.com/office/powerpoint/2010/main" val="595381913"/>
       </p:ext>
     </p:extLst>
   </p:cSld>
   <p:clrMapOvr>
     <a:masterClrMapping/>
   </p:clrMapOvr>
-  <mc:AlternateContent xmlns:mc="http://schemas.openxmlformats.org/markup-compatibility/2006">
-    <mc:Choice xmlns="" xmlns:p14="http://schemas.microsoft.com/office/powerpoint/2010/main" Requires="p14">
+  <mc:AlternateContent xmlns:mc="http://schemas.openxmlformats.org/markup-compatibility/2006" xmlns:p14="http://schemas.microsoft.com/office/powerpoint/2010/main">
+    <mc:Choice Requires="p14">
       <p:transition spd="med" p14:dur="700">
         <p:fade/>
       </p:transition>
     </mc:Choice>
-    <mc:Fallback>
+    <mc:Fallback xmlns="">
       <p:transition spd="med">
         <p:fade/>
       </p:transition>
@@ -2855,7 +2871,7 @@
             <a:fld id="{D5293751-D5E8-4F62-A139-62AD5AF1B725}" type="datetimeFigureOut">
               <a:rPr lang="ro-RO" smtClean="0"/>
               <a:pPr/>
-              <a:t>21.02.2018</a:t>
+              <a:t>04.09.2018</a:t>
             </a:fld>
             <a:endParaRPr lang="ro-RO"/>
           </a:p>
@@ -2907,20 +2923,20 @@
     </p:spTree>
     <p:extLst>
       <p:ext uri="{BB962C8B-B14F-4D97-AF65-F5344CB8AC3E}">
-        <p14:creationId xmlns="" xmlns:p14="http://schemas.microsoft.com/office/powerpoint/2010/main" val="1515229190"/>
+        <p14:creationId xmlns:p14="http://schemas.microsoft.com/office/powerpoint/2010/main" val="1515229190"/>
       </p:ext>
     </p:extLst>
   </p:cSld>
   <p:clrMapOvr>
     <a:masterClrMapping/>
   </p:clrMapOvr>
-  <mc:AlternateContent xmlns:mc="http://schemas.openxmlformats.org/markup-compatibility/2006">
-    <mc:Choice xmlns="" xmlns:p14="http://schemas.microsoft.com/office/powerpoint/2010/main" Requires="p14">
+  <mc:AlternateContent xmlns:mc="http://schemas.openxmlformats.org/markup-compatibility/2006" xmlns:p14="http://schemas.microsoft.com/office/powerpoint/2010/main">
+    <mc:Choice Requires="p14">
       <p:transition spd="med" p14:dur="700">
         <p:fade/>
       </p:transition>
     </mc:Choice>
-    <mc:Fallback>
+    <mc:Fallback xmlns="">
       <p:transition spd="med">
         <p:fade/>
       </p:transition>
@@ -2968,7 +2984,7 @@
             <a:fld id="{D5293751-D5E8-4F62-A139-62AD5AF1B725}" type="datetimeFigureOut">
               <a:rPr lang="ro-RO" smtClean="0"/>
               <a:pPr/>
-              <a:t>21.02.2018</a:t>
+              <a:t>04.09.2018</a:t>
             </a:fld>
             <a:endParaRPr lang="ro-RO"/>
           </a:p>
@@ -3020,20 +3036,20 @@
     </p:spTree>
     <p:extLst>
       <p:ext uri="{BB962C8B-B14F-4D97-AF65-F5344CB8AC3E}">
-        <p14:creationId xmlns="" xmlns:p14="http://schemas.microsoft.com/office/powerpoint/2010/main" val="2172478503"/>
+        <p14:creationId xmlns:p14="http://schemas.microsoft.com/office/powerpoint/2010/main" val="2172478503"/>
       </p:ext>
     </p:extLst>
   </p:cSld>
   <p:clrMapOvr>
     <a:masterClrMapping/>
   </p:clrMapOvr>
-  <mc:AlternateContent xmlns:mc="http://schemas.openxmlformats.org/markup-compatibility/2006">
-    <mc:Choice xmlns="" xmlns:p14="http://schemas.microsoft.com/office/powerpoint/2010/main" Requires="p14">
+  <mc:AlternateContent xmlns:mc="http://schemas.openxmlformats.org/markup-compatibility/2006" xmlns:p14="http://schemas.microsoft.com/office/powerpoint/2010/main">
+    <mc:Choice Requires="p14">
       <p:transition spd="med" p14:dur="700">
         <p:fade/>
       </p:transition>
     </mc:Choice>
-    <mc:Fallback>
+    <mc:Fallback xmlns="">
       <p:transition spd="med">
         <p:fade/>
       </p:transition>
@@ -3274,7 +3290,7 @@
             <a:fld id="{D5293751-D5E8-4F62-A139-62AD5AF1B725}" type="datetimeFigureOut">
               <a:rPr lang="ro-RO" smtClean="0"/>
               <a:pPr/>
-              <a:t>21.02.2018</a:t>
+              <a:t>04.09.2018</a:t>
             </a:fld>
             <a:endParaRPr lang="ro-RO"/>
           </a:p>
@@ -3326,20 +3342,20 @@
     </p:spTree>
     <p:extLst>
       <p:ext uri="{BB962C8B-B14F-4D97-AF65-F5344CB8AC3E}">
-        <p14:creationId xmlns="" xmlns:p14="http://schemas.microsoft.com/office/powerpoint/2010/main" val="1618139351"/>
+        <p14:creationId xmlns:p14="http://schemas.microsoft.com/office/powerpoint/2010/main" val="1618139351"/>
       </p:ext>
     </p:extLst>
   </p:cSld>
   <p:clrMapOvr>
     <a:masterClrMapping/>
   </p:clrMapOvr>
-  <mc:AlternateContent xmlns:mc="http://schemas.openxmlformats.org/markup-compatibility/2006">
-    <mc:Choice xmlns="" xmlns:p14="http://schemas.microsoft.com/office/powerpoint/2010/main" Requires="p14">
+  <mc:AlternateContent xmlns:mc="http://schemas.openxmlformats.org/markup-compatibility/2006" xmlns:p14="http://schemas.microsoft.com/office/powerpoint/2010/main">
+    <mc:Choice Requires="p14">
       <p:transition spd="med" p14:dur="700">
         <p:fade/>
       </p:transition>
     </mc:Choice>
-    <mc:Fallback>
+    <mc:Fallback xmlns="">
       <p:transition spd="med">
         <p:fade/>
       </p:transition>
@@ -3570,7 +3586,7 @@
             <a:fld id="{D5293751-D5E8-4F62-A139-62AD5AF1B725}" type="datetimeFigureOut">
               <a:rPr lang="ro-RO" smtClean="0"/>
               <a:pPr/>
-              <a:t>21.02.2018</a:t>
+              <a:t>04.09.2018</a:t>
             </a:fld>
             <a:endParaRPr lang="ro-RO"/>
           </a:p>
@@ -3622,20 +3638,20 @@
     </p:spTree>
     <p:extLst>
       <p:ext uri="{BB962C8B-B14F-4D97-AF65-F5344CB8AC3E}">
-        <p14:creationId xmlns="" xmlns:p14="http://schemas.microsoft.com/office/powerpoint/2010/main" val="4223431649"/>
+        <p14:creationId xmlns:p14="http://schemas.microsoft.com/office/powerpoint/2010/main" val="4223431649"/>
       </p:ext>
     </p:extLst>
   </p:cSld>
   <p:clrMapOvr>
     <a:masterClrMapping/>
   </p:clrMapOvr>
-  <mc:AlternateContent xmlns:mc="http://schemas.openxmlformats.org/markup-compatibility/2006">
-    <mc:Choice xmlns="" xmlns:p14="http://schemas.microsoft.com/office/powerpoint/2010/main" Requires="p14">
+  <mc:AlternateContent xmlns:mc="http://schemas.openxmlformats.org/markup-compatibility/2006" xmlns:p14="http://schemas.microsoft.com/office/powerpoint/2010/main">
+    <mc:Choice Requires="p14">
       <p:transition spd="med" p14:dur="700">
         <p:fade/>
       </p:transition>
     </mc:Choice>
-    <mc:Fallback>
+    <mc:Fallback xmlns="">
       <p:transition spd="med">
         <p:fade/>
       </p:transition>
@@ -4195,7 +4211,7 @@
             <a:fld id="{D5293751-D5E8-4F62-A139-62AD5AF1B725}" type="datetimeFigureOut">
               <a:rPr lang="ro-RO" smtClean="0"/>
               <a:pPr/>
-              <a:t>21.02.2018</a:t>
+              <a:t>04.09.2018</a:t>
             </a:fld>
             <a:endParaRPr lang="ro-RO"/>
           </a:p>
@@ -4283,7 +4299,7 @@
     </p:spTree>
     <p:extLst>
       <p:ext uri="{BB962C8B-B14F-4D97-AF65-F5344CB8AC3E}">
-        <p14:creationId xmlns="" xmlns:p14="http://schemas.microsoft.com/office/powerpoint/2010/main" val="1395275884"/>
+        <p14:creationId xmlns:p14="http://schemas.microsoft.com/office/powerpoint/2010/main" val="1395275884"/>
       </p:ext>
     </p:extLst>
   </p:cSld>
@@ -4301,13 +4317,13 @@
     <p:sldLayoutId id="2147483670" r:id="rId10"/>
     <p:sldLayoutId id="2147483671" r:id="rId11"/>
   </p:sldLayoutIdLst>
-  <mc:AlternateContent xmlns:mc="http://schemas.openxmlformats.org/markup-compatibility/2006">
-    <mc:Choice xmlns="" xmlns:p14="http://schemas.microsoft.com/office/powerpoint/2010/main" Requires="p14">
+  <mc:AlternateContent xmlns:mc="http://schemas.openxmlformats.org/markup-compatibility/2006" xmlns:p14="http://schemas.microsoft.com/office/powerpoint/2010/main">
+    <mc:Choice Requires="p14">
       <p:transition spd="med" p14:dur="700">
         <p:fade/>
       </p:transition>
     </mc:Choice>
-    <mc:Fallback>
+    <mc:Fallback xmlns="">
       <p:transition spd="med">
         <p:fade/>
       </p:transition>
@@ -4631,7 +4647,7 @@
   </p:txStyles>
   <p:extLst mod="1">
     <p:ext uri="{27BBF7A9-308A-43DC-89C8-2F10F3537804}">
-      <p15:sldGuideLst xmlns="" xmlns:p15="http://schemas.microsoft.com/office/powerpoint/2012/main">
+      <p15:sldGuideLst xmlns:p15="http://schemas.microsoft.com/office/powerpoint/2012/main">
         <p15:guide id="1" orient="horz" pos="2160" userDrawn="1">
           <p15:clr>
             <a:srgbClr val="F26B43"/>
@@ -4793,26 +4809,38 @@
       </p:sp>
       <p:pic>
         <p:nvPicPr>
-          <p:cNvPr id="4" name="Picture 3" descr="logo.png"/>
+          <p:cNvPr id="5" name="Picture 4"/>
           <p:cNvPicPr>
             <a:picLocks noChangeAspect="1"/>
           </p:cNvPicPr>
           <p:nvPr/>
         </p:nvPicPr>
         <p:blipFill>
-          <a:blip r:embed="rId2" cstate="print"/>
+          <a:blip r:embed="rId2" cstate="print">
+            <a:extLst>
+              <a:ext uri="{28A0092B-C50C-407E-A947-70E740481C1C}">
+                <a14:useLocalDpi xmlns:a14="http://schemas.microsoft.com/office/drawing/2010/main" val="0"/>
+              </a:ext>
+            </a:extLst>
+          </a:blip>
           <a:stretch>
             <a:fillRect/>
           </a:stretch>
         </p:blipFill>
         <p:spPr>
           <a:xfrm>
-            <a:off x="7072330" y="214290"/>
-            <a:ext cx="1539190" cy="1571939"/>
+            <a:off x="6858000" y="0"/>
+            <a:ext cx="2286000" cy="1838271"/>
           </a:xfrm>
           <a:prstGeom prst="rect">
             <a:avLst/>
           </a:prstGeom>
+          <a:ln>
+            <a:noFill/>
+          </a:ln>
+          <a:effectLst>
+            <a:softEdge rad="112500"/>
+          </a:effectLst>
         </p:spPr>
       </p:pic>
     </p:spTree>
@@ -4823,6 +4851,13 @@
   <p:transition spd="med">
     <p:fade/>
   </p:transition>
+  <p:timing>
+    <p:tnLst>
+      <p:par>
+        <p:cTn id="1" dur="indefinite" restart="never" nodeType="tmRoot"/>
+      </p:par>
+    </p:tnLst>
+  </p:timing>
 </p:sld>
 </file>
 
@@ -5010,7 +5045,6 @@
               <a:rPr lang="en-US" dirty="0" smtClean="0"/>
               <a:t>                                      </a:t>
             </a:r>
-            <a:endParaRPr lang="en-US" dirty="0" smtClean="0"/>
           </a:p>
           <a:p>
             <a:r>
@@ -5195,13 +5229,13 @@
   <p:clrMapOvr>
     <a:masterClrMapping/>
   </p:clrMapOvr>
-  <mc:AlternateContent xmlns:mc="http://schemas.openxmlformats.org/markup-compatibility/2006">
-    <mc:Choice xmlns="" xmlns:p14="http://schemas.microsoft.com/office/powerpoint/2010/main" Requires="p14">
+  <mc:AlternateContent xmlns:mc="http://schemas.openxmlformats.org/markup-compatibility/2006" xmlns:p14="http://schemas.microsoft.com/office/powerpoint/2010/main">
+    <mc:Choice Requires="p14">
       <p:transition spd="med" p14:dur="700">
         <p:fade/>
       </p:transition>
     </mc:Choice>
-    <mc:Fallback>
+    <mc:Fallback xmlns="">
       <p:transition spd="med">
         <p:fade/>
       </p:transition>
@@ -5266,13 +5300,13 @@
   <p:clrMapOvr>
     <a:masterClrMapping/>
   </p:clrMapOvr>
-  <mc:AlternateContent xmlns:mc="http://schemas.openxmlformats.org/markup-compatibility/2006">
-    <mc:Choice xmlns="" xmlns:p14="http://schemas.microsoft.com/office/powerpoint/2010/main" Requires="p14">
+  <mc:AlternateContent xmlns:mc="http://schemas.openxmlformats.org/markup-compatibility/2006" xmlns:p14="http://schemas.microsoft.com/office/powerpoint/2010/main">
+    <mc:Choice Requires="p14">
       <p:transition spd="med" p14:dur="700">
         <p:fade/>
       </p:transition>
     </mc:Choice>
-    <mc:Fallback>
+    <mc:Fallback xmlns="">
       <p:transition spd="med">
         <p:fade/>
       </p:transition>
@@ -5371,13 +5405,13 @@
   <p:clrMapOvr>
     <a:masterClrMapping/>
   </p:clrMapOvr>
-  <mc:AlternateContent xmlns:mc="http://schemas.openxmlformats.org/markup-compatibility/2006">
-    <mc:Choice xmlns="" xmlns:p14="http://schemas.microsoft.com/office/powerpoint/2010/main" Requires="p14">
+  <mc:AlternateContent xmlns:mc="http://schemas.openxmlformats.org/markup-compatibility/2006" xmlns:p14="http://schemas.microsoft.com/office/powerpoint/2010/main">
+    <mc:Choice Requires="p14">
       <p:transition spd="med" p14:dur="700">
         <p:fade/>
       </p:transition>
     </mc:Choice>
-    <mc:Fallback>
+    <mc:Fallback xmlns="">
       <p:transition spd="med">
         <p:fade/>
       </p:transition>
@@ -5533,18 +5567,25 @@
   <p:clrMapOvr>
     <a:masterClrMapping/>
   </p:clrMapOvr>
-  <mc:AlternateContent xmlns:mc="http://schemas.openxmlformats.org/markup-compatibility/2006">
-    <mc:Choice xmlns="" xmlns:p14="http://schemas.microsoft.com/office/powerpoint/2010/main" Requires="p14">
+  <mc:AlternateContent xmlns:mc="http://schemas.openxmlformats.org/markup-compatibility/2006" xmlns:p14="http://schemas.microsoft.com/office/powerpoint/2010/main">
+    <mc:Choice Requires="p14">
       <p:transition spd="med" p14:dur="700">
         <p:fade/>
       </p:transition>
     </mc:Choice>
-    <mc:Fallback>
+    <mc:Fallback xmlns="">
       <p:transition spd="med">
         <p:fade/>
       </p:transition>
     </mc:Fallback>
   </mc:AlternateContent>
+  <p:timing>
+    <p:tnLst>
+      <p:par>
+        <p:cTn id="1" dur="indefinite" restart="never" nodeType="tmRoot"/>
+      </p:par>
+    </p:tnLst>
+  </p:timing>
 </p:sld>
 </file>
 
@@ -5604,18 +5645,25 @@
   <p:clrMapOvr>
     <a:masterClrMapping/>
   </p:clrMapOvr>
-  <mc:AlternateContent xmlns:mc="http://schemas.openxmlformats.org/markup-compatibility/2006">
-    <mc:Choice xmlns="" xmlns:p14="http://schemas.microsoft.com/office/powerpoint/2010/main" Requires="p14">
+  <mc:AlternateContent xmlns:mc="http://schemas.openxmlformats.org/markup-compatibility/2006" xmlns:p14="http://schemas.microsoft.com/office/powerpoint/2010/main">
+    <mc:Choice Requires="p14">
       <p:transition spd="med" p14:dur="700">
         <p:fade/>
       </p:transition>
     </mc:Choice>
-    <mc:Fallback>
+    <mc:Fallback xmlns="">
       <p:transition spd="med">
         <p:fade/>
       </p:transition>
     </mc:Fallback>
   </mc:AlternateContent>
+  <p:timing>
+    <p:tnLst>
+      <p:par>
+        <p:cTn id="1" dur="indefinite" restart="never" nodeType="tmRoot"/>
+      </p:par>
+    </p:tnLst>
+  </p:timing>
 </p:sld>
 </file>
 
@@ -5871,13 +5919,13 @@
   <p:clrMapOvr>
     <a:masterClrMapping/>
   </p:clrMapOvr>
-  <mc:AlternateContent xmlns:mc="http://schemas.openxmlformats.org/markup-compatibility/2006">
-    <mc:Choice xmlns="" xmlns:p14="http://schemas.microsoft.com/office/powerpoint/2010/main" Requires="p14">
+  <mc:AlternateContent xmlns:mc="http://schemas.openxmlformats.org/markup-compatibility/2006" xmlns:p14="http://schemas.microsoft.com/office/powerpoint/2010/main">
+    <mc:Choice Requires="p14">
       <p:transition spd="med" p14:dur="700">
         <p:fade/>
       </p:transition>
     </mc:Choice>
-    <mc:Fallback>
+    <mc:Fallback xmlns="">
       <p:transition spd="med">
         <p:fade/>
       </p:transition>
@@ -6161,13 +6209,13 @@
   <p:clrMapOvr>
     <a:masterClrMapping/>
   </p:clrMapOvr>
-  <mc:AlternateContent xmlns:mc="http://schemas.openxmlformats.org/markup-compatibility/2006">
-    <mc:Choice xmlns="" xmlns:p14="http://schemas.microsoft.com/office/powerpoint/2010/main" Requires="p14">
+  <mc:AlternateContent xmlns:mc="http://schemas.openxmlformats.org/markup-compatibility/2006" xmlns:p14="http://schemas.microsoft.com/office/powerpoint/2010/main">
+    <mc:Choice Requires="p14">
       <p:transition spd="med" p14:dur="700">
         <p:fade/>
       </p:transition>
     </mc:Choice>
-    <mc:Fallback>
+    <mc:Fallback xmlns="">
       <p:transition spd="med">
         <p:fade/>
       </p:transition>
@@ -6291,15 +6339,7 @@
             </a:pPr>
             <a:r>
               <a:rPr lang="ro-RO" sz="2800" dirty="0" smtClean="0"/>
-              <a:t>Intensitatea c.e. </a:t>
-            </a:r>
-            <a:r>
-              <a:rPr lang="ro-RO" sz="2800" dirty="0" smtClean="0"/>
-              <a:t>s</a:t>
-            </a:r>
-            <a:r>
-              <a:rPr lang="ro-RO" sz="2800" dirty="0" smtClean="0"/>
-              <a:t>e măsoară cu ajutorul ampermetrului sau multimetrului legat în serie în circuit.</a:t>
+              <a:t>Intensitatea c.e. se măsoară cu ajutorul ampermetrului sau multimetrului legat în serie în circuit.</a:t>
             </a:r>
             <a:endParaRPr lang="ro-RO" sz="2800" dirty="0"/>
           </a:p>
@@ -6310,13 +6350,13 @@
   <p:clrMapOvr>
     <a:masterClrMapping/>
   </p:clrMapOvr>
-  <mc:AlternateContent xmlns:mc="http://schemas.openxmlformats.org/markup-compatibility/2006">
-    <mc:Choice xmlns="" xmlns:p14="http://schemas.microsoft.com/office/powerpoint/2010/main" Requires="p14">
+  <mc:AlternateContent xmlns:mc="http://schemas.openxmlformats.org/markup-compatibility/2006" xmlns:p14="http://schemas.microsoft.com/office/powerpoint/2010/main">
+    <mc:Choice Requires="p14">
       <p:transition spd="med" p14:dur="700">
         <p:fade/>
       </p:transition>
     </mc:Choice>
-    <mc:Fallback>
+    <mc:Fallback xmlns="">
       <p:transition spd="med">
         <p:fade/>
       </p:transition>
@@ -6381,13 +6421,13 @@
   <p:clrMapOvr>
     <a:masterClrMapping/>
   </p:clrMapOvr>
-  <mc:AlternateContent xmlns:mc="http://schemas.openxmlformats.org/markup-compatibility/2006">
-    <mc:Choice xmlns="" xmlns:p14="http://schemas.microsoft.com/office/powerpoint/2010/main" Requires="p14">
+  <mc:AlternateContent xmlns:mc="http://schemas.openxmlformats.org/markup-compatibility/2006" xmlns:p14="http://schemas.microsoft.com/office/powerpoint/2010/main">
+    <mc:Choice Requires="p14">
       <p:transition spd="med" p14:dur="700">
         <p:fade/>
       </p:transition>
     </mc:Choice>
-    <mc:Fallback>
+    <mc:Fallback xmlns="">
       <p:transition spd="med">
         <p:fade/>
       </p:transition>
@@ -6701,10 +6741,6 @@
               </a:rPr>
               <a:t>Tensiunea electrică se măsoară cu ajutorul voltmetrului sau al ampermetrului legal în paralel în circuit.</a:t>
             </a:r>
-            <a:endParaRPr lang="ro-RO" dirty="0" smtClean="0">
-              <a:latin typeface="Times New Roman" pitchFamily="18" charset="0"/>
-              <a:cs typeface="Times New Roman" pitchFamily="18" charset="0"/>
-            </a:endParaRPr>
           </a:p>
           <a:p>
             <a:pPr>
@@ -6756,13 +6792,13 @@
   <p:clrMapOvr>
     <a:masterClrMapping/>
   </p:clrMapOvr>
-  <mc:AlternateContent xmlns:mc="http://schemas.openxmlformats.org/markup-compatibility/2006">
-    <mc:Choice xmlns="" xmlns:p14="http://schemas.microsoft.com/office/powerpoint/2010/main" Requires="p14">
+  <mc:AlternateContent xmlns:mc="http://schemas.openxmlformats.org/markup-compatibility/2006" xmlns:p14="http://schemas.microsoft.com/office/powerpoint/2010/main">
+    <mc:Choice Requires="p14">
       <p:transition spd="med" p14:dur="700">
         <p:fade/>
       </p:transition>
     </mc:Choice>
-    <mc:Fallback>
+    <mc:Fallback xmlns="">
       <p:transition spd="med">
         <p:fade/>
       </p:transition>
@@ -6827,13 +6863,13 @@
   <p:clrMapOvr>
     <a:masterClrMapping/>
   </p:clrMapOvr>
-  <mc:AlternateContent xmlns:mc="http://schemas.openxmlformats.org/markup-compatibility/2006">
-    <mc:Choice xmlns="" xmlns:p14="http://schemas.microsoft.com/office/powerpoint/2010/main" Requires="p14">
+  <mc:AlternateContent xmlns:mc="http://schemas.openxmlformats.org/markup-compatibility/2006" xmlns:p14="http://schemas.microsoft.com/office/powerpoint/2010/main">
+    <mc:Choice Requires="p14">
       <p:transition spd="med" p14:dur="700">
         <p:fade/>
       </p:transition>
     </mc:Choice>
-    <mc:Fallback>
+    <mc:Fallback xmlns="">
       <p:transition spd="med">
         <p:fade/>
       </p:transition>
@@ -7196,7 +7232,7 @@
   <a:extraClrSchemeLst/>
   <a:extLst>
     <a:ext uri="{05A4C25C-085E-4340-85A3-A5531E510DB2}">
-      <thm15:themeFamily xmlns="" xmlns:thm15="http://schemas.microsoft.com/office/thememl/2012/main" name="Office_9533247_TF02787990" id="{76C63960-7296-4B25-B475-BEAE1455F92F}" vid="{A697BE9B-8A11-4EC4-BF91-F9DF2123C59D}"/>
+      <thm15:themeFamily xmlns:thm15="http://schemas.microsoft.com/office/thememl/2012/main" name="Office_9533247_TF02787990" id="{76C63960-7296-4B25-B475-BEAE1455F92F}" vid="{A697BE9B-8A11-4EC4-BF91-F9DF2123C59D}"/>
     </a:ext>
   </a:extLst>
 </a:theme>
